--- a/predavanja/prezentacije/OOP12-Unutrasnje klase.pptx
+++ b/predavanja/prezentacije/OOP12-Unutrasnje klase.pptx
@@ -266,7 +266,7 @@
               <a:pPr>
                 <a:defRPr/>
               </a:pPr>
-              <a:t>4/2/2020</a:t>
+              <a:t>14-Dec-20</a:t>
             </a:fld>
             <a:endParaRPr lang="en-US"/>
           </a:p>
@@ -5031,13 +5031,7 @@
               <a:rPr lang="ru-RU" altLang="en-US" sz="2400" dirty="0" smtClean="0">
                 <a:latin typeface="Garamond" panose="02020404030301010803" pitchFamily="18" charset="0"/>
               </a:rPr>
-              <a:t>Последњом наредбом у примеру који следи </a:t>
-            </a:r>
-            <a:r>
-              <a:rPr lang="ru-RU" altLang="en-US" sz="2400" dirty="0" smtClean="0">
-                <a:latin typeface="Garamond" panose="02020404030301010803" pitchFamily="18" charset="0"/>
-              </a:rPr>
-              <a:t>је креиран објекат типа </a:t>
+              <a:t>Последњом наредбом у примеру који следи је креиран објекат типа </a:t>
             </a:r>
             <a:r>
               <a:rPr lang="en-US" altLang="en-US" sz="1800" dirty="0" err="1" smtClean="0"/>
@@ -20831,7 +20825,31 @@
               <a:rPr lang="sr-Cyrl-RS" dirty="0">
                 <a:latin typeface="Garamond" pitchFamily="18" charset="0"/>
               </a:rPr>
-              <a:t> у велику доводи до тога да код неке операције буде смештен близу места коришћења.</a:t>
+              <a:t> у велику доводи до тога да код неке операције буде </a:t>
+            </a:r>
+            <a:r>
+              <a:rPr lang="sr-Cyrl-RS" dirty="0" smtClean="0">
+                <a:latin typeface="Garamond" pitchFamily="18" charset="0"/>
+              </a:rPr>
+              <a:t>смештен</a:t>
+            </a:r>
+            <a:r>
+              <a:rPr lang="en-US" smtClean="0">
+                <a:latin typeface="Garamond" pitchFamily="18" charset="0"/>
+              </a:rPr>
+              <a:t>e</a:t>
+            </a:r>
+            <a:r>
+              <a:rPr lang="sr-Cyrl-RS" smtClean="0">
+                <a:latin typeface="Garamond" pitchFamily="18" charset="0"/>
+              </a:rPr>
+              <a:t> </a:t>
+            </a:r>
+            <a:r>
+              <a:rPr lang="sr-Cyrl-RS" dirty="0">
+                <a:latin typeface="Garamond" pitchFamily="18" charset="0"/>
+              </a:rPr>
+              <a:t>близу места коришћења.</a:t>
             </a:r>
             <a:endParaRPr lang="en-US" dirty="0">
               <a:latin typeface="Garamond" pitchFamily="18" charset="0"/>
@@ -21760,7 +21778,7 @@
           <a:graphicData uri="http://schemas.openxmlformats.org/presentationml/2006/ole">
             <mc:AlternateContent xmlns:mc="http://schemas.openxmlformats.org/markup-compatibility/2006">
               <mc:Choice xmlns:v="urn:schemas-microsoft-com:vml" Requires="v">
-                <p:oleObj spid="_x0000_s13362" name="Bitmap Image" r:id="rId3" imgW="6620799" imgH="4371429" progId="Paint.Picture">
+                <p:oleObj spid="_x0000_s13363" name="Bitmap Image" r:id="rId3" imgW="6620799" imgH="4371429" progId="Paint.Picture">
                   <p:embed/>
                 </p:oleObj>
               </mc:Choice>
